--- a/template/эВ_04_1.pptx
+++ b/template/эВ_04_1.pptx
@@ -203,7 +203,7 @@
           <a:p>
             <a:fld id="{60944930-8BA4-4454-ABE6-DE3BECA2E5E3}" type="datetimeFigureOut">
               <a:rPr lang="ru-RU" smtClean="0"/>
-              <a:t>20.12.2025</a:t>
+              <a:t>24.12.2025</a:t>
             </a:fld>
             <a:endParaRPr lang="ru-RU"/>
           </a:p>
@@ -368,7 +368,7 @@
           <a:p>
             <a:fld id="{89FCF6B5-7C72-4502-8739-77CB5A6618E4}" type="datetimeFigureOut">
               <a:rPr lang="ru-RU" smtClean="0"/>
-              <a:t>20.12.2025</a:t>
+              <a:t>24.12.2025</a:t>
             </a:fld>
             <a:endParaRPr lang="ru-RU"/>
           </a:p>
@@ -719,7 +719,7 @@
         <p:txBody>
           <a:bodyPr lIns="0"/>
           <a:lstStyle>
-            <a:lvl1pPr>
+            <a:lvl1pPr algn="ctr">
               <a:defRPr sz="1100"/>
             </a:lvl1pPr>
           </a:lstStyle>
